--- a/3-Machine_Learning/1-Supervisado/1-Regression/1-Linear_Regression/Linear_regression.pptx
+++ b/3-Machine_Learning/1-Supervisado/1-Regression/1-Linear_Regression/Linear_regression.pptx
@@ -28,9 +28,9 @@
     <p:sldId id="267" r:id="rId19"/>
     <p:sldId id="268" r:id="rId20"/>
     <p:sldId id="284" r:id="rId21"/>
-    <p:sldId id="269" r:id="rId22"/>
-    <p:sldId id="271" r:id="rId23"/>
-    <p:sldId id="272" r:id="rId24"/>
+    <p:sldId id="271" r:id="rId22"/>
+    <p:sldId id="272" r:id="rId23"/>
+    <p:sldId id="269" r:id="rId24"/>
     <p:sldId id="285" r:id="rId25"/>
   </p:sldIdLst>
   <p:sldSz cx="12192000" cy="6858000"/>
@@ -362,7 +362,7 @@
               <a:rPr lang="es-ES" sz="1400" b="0" strike="noStrike" spc="-1">
                 <a:latin typeface="Times New Roman"/>
               </a:rPr>
-              <a:t>‹Nº›</a:t>
+              <a:t>‹#›</a:t>
             </a:fld>
             <a:endParaRPr lang="es-ES" sz="1400" b="0" strike="noStrike" spc="-1">
               <a:latin typeface="Times New Roman"/>
@@ -2202,7 +2202,7 @@
       </p:grpSpPr>
       <p:sp>
         <p:nvSpPr>
-          <p:cNvPr id="147" name="PlaceHolder 1"/>
+          <p:cNvPr id="153" name="PlaceHolder 1"/>
           <p:cNvSpPr>
             <a:spLocks noGrp="1" noRot="1" noChangeAspect="1"/>
           </p:cNvSpPr>
@@ -2213,16 +2213,16 @@
         <p:spPr>
           <a:xfrm>
             <a:off x="685800" y="1143000"/>
-            <a:ext cx="5486400" cy="3086100"/>
-          </a:xfrm>
-          <a:prstGeom prst="rect">
-            <a:avLst/>
-          </a:prstGeom>
-        </p:spPr>
-      </p:sp>
-      <p:sp>
-        <p:nvSpPr>
-          <p:cNvPr id="148" name="PlaceHolder 2"/>
+            <a:ext cx="5485680" cy="3085560"/>
+          </a:xfrm>
+          <a:prstGeom prst="rect">
+            <a:avLst/>
+          </a:prstGeom>
+        </p:spPr>
+      </p:sp>
+      <p:sp>
+        <p:nvSpPr>
+          <p:cNvPr id="154" name="PlaceHolder 2"/>
           <p:cNvSpPr>
             <a:spLocks noGrp="1"/>
           </p:cNvSpPr>
@@ -2253,7 +2253,7 @@
       </p:sp>
       <p:sp>
         <p:nvSpPr>
-          <p:cNvPr id="149" name="CustomShape 3"/>
+          <p:cNvPr id="155" name="CustomShape 3"/>
           <p:cNvSpPr/>
           <p:nvPr/>
         </p:nvSpPr>
@@ -2293,7 +2293,7 @@
                 <a:spcPct val="100000"/>
               </a:lnSpc>
             </a:pPr>
-            <a:fld id="{056E2B6A-E5F2-44D8-AD6D-796F99468BE2}" type="slidenum">
+            <a:fld id="{12A75D55-6D27-4D86-BED9-ED35020EFDAE}" type="slidenum">
               <a:rPr lang="es-ES" sz="1200" b="0" strike="noStrike" spc="-1">
                 <a:latin typeface="Times New Roman"/>
               </a:rPr>
@@ -2332,7 +2332,7 @@
       </p:grpSpPr>
       <p:sp>
         <p:nvSpPr>
-          <p:cNvPr id="153" name="PlaceHolder 1"/>
+          <p:cNvPr id="156" name="PlaceHolder 1"/>
           <p:cNvSpPr>
             <a:spLocks noGrp="1" noRot="1" noChangeAspect="1"/>
           </p:cNvSpPr>
@@ -2343,16 +2343,16 @@
         <p:spPr>
           <a:xfrm>
             <a:off x="685800" y="1143000"/>
-            <a:ext cx="5485680" cy="3085560"/>
-          </a:xfrm>
-          <a:prstGeom prst="rect">
-            <a:avLst/>
-          </a:prstGeom>
-        </p:spPr>
-      </p:sp>
-      <p:sp>
-        <p:nvSpPr>
-          <p:cNvPr id="154" name="PlaceHolder 2"/>
+            <a:ext cx="5486400" cy="3086100"/>
+          </a:xfrm>
+          <a:prstGeom prst="rect">
+            <a:avLst/>
+          </a:prstGeom>
+        </p:spPr>
+      </p:sp>
+      <p:sp>
+        <p:nvSpPr>
+          <p:cNvPr id="157" name="PlaceHolder 2"/>
           <p:cNvSpPr>
             <a:spLocks noGrp="1"/>
           </p:cNvSpPr>
@@ -2383,7 +2383,7 @@
       </p:sp>
       <p:sp>
         <p:nvSpPr>
-          <p:cNvPr id="155" name="CustomShape 3"/>
+          <p:cNvPr id="158" name="CustomShape 3"/>
           <p:cNvSpPr/>
           <p:nvPr/>
         </p:nvSpPr>
@@ -2423,7 +2423,7 @@
                 <a:spcPct val="100000"/>
               </a:lnSpc>
             </a:pPr>
-            <a:fld id="{12A75D55-6D27-4D86-BED9-ED35020EFDAE}" type="slidenum">
+            <a:fld id="{AACD48CE-F186-49AE-BDED-689C9E4F289A}" type="slidenum">
               <a:rPr lang="es-ES" sz="1200" b="0" strike="noStrike" spc="-1">
                 <a:latin typeface="Times New Roman"/>
               </a:rPr>
@@ -2462,7 +2462,7 @@
       </p:grpSpPr>
       <p:sp>
         <p:nvSpPr>
-          <p:cNvPr id="156" name="PlaceHolder 1"/>
+          <p:cNvPr id="147" name="PlaceHolder 1"/>
           <p:cNvSpPr>
             <a:spLocks noGrp="1" noRot="1" noChangeAspect="1"/>
           </p:cNvSpPr>
@@ -2482,7 +2482,7 @@
       </p:sp>
       <p:sp>
         <p:nvSpPr>
-          <p:cNvPr id="157" name="PlaceHolder 2"/>
+          <p:cNvPr id="148" name="PlaceHolder 2"/>
           <p:cNvSpPr>
             <a:spLocks noGrp="1"/>
           </p:cNvSpPr>
@@ -2513,7 +2513,7 @@
       </p:sp>
       <p:sp>
         <p:nvSpPr>
-          <p:cNvPr id="158" name="CustomShape 3"/>
+          <p:cNvPr id="149" name="CustomShape 3"/>
           <p:cNvSpPr/>
           <p:nvPr/>
         </p:nvSpPr>
@@ -2553,7 +2553,7 @@
                 <a:spcPct val="100000"/>
               </a:lnSpc>
             </a:pPr>
-            <a:fld id="{AACD48CE-F186-49AE-BDED-689C9E4F289A}" type="slidenum">
+            <a:fld id="{056E2B6A-E5F2-44D8-AD6D-796F99468BE2}" type="slidenum">
               <a:rPr lang="es-ES" sz="1200" b="0" strike="noStrike" spc="-1">
                 <a:latin typeface="Times New Roman"/>
               </a:rPr>
@@ -12005,45 +12005,6 @@
             </a:r>
           </a:p>
           <a:p>
-            <a:pPr marL="342900" indent="-342900">
-              <a:buFontTx/>
-              <a:buAutoNum type="arabicPeriod"/>
-            </a:pPr>
-            <a:r>
-              <a:rPr lang="es-ES" spc="-1" dirty="0">
-                <a:solidFill>
-                  <a:schemeClr val="bg1"/>
-                </a:solidFill>
-                <a:latin typeface="Arial"/>
-              </a:rPr>
-              <a:t>Valores atípicos o influyentes, </a:t>
-            </a:r>
-            <a:r>
-              <a:rPr lang="es-ES" spc="-1" dirty="0" err="1">
-                <a:solidFill>
-                  <a:schemeClr val="bg1"/>
-                </a:solidFill>
-                <a:latin typeface="Arial"/>
-              </a:rPr>
-              <a:t>outliers</a:t>
-            </a:r>
-            <a:r>
-              <a:rPr lang="es-ES" spc="-1" dirty="0">
-                <a:solidFill>
-                  <a:schemeClr val="bg1"/>
-                </a:solidFill>
-                <a:latin typeface="Arial"/>
-              </a:rPr>
-              <a:t>, solo valores cuantitativos…</a:t>
-            </a:r>
-            <a:endParaRPr lang="es-ES" sz="1800" b="0" strike="noStrike" spc="-1" dirty="0">
-              <a:solidFill>
-                <a:schemeClr val="bg1"/>
-              </a:solidFill>
-              <a:latin typeface="Arial"/>
-            </a:endParaRPr>
-          </a:p>
-          <a:p>
             <a:pPr>
               <a:lnSpc>
                 <a:spcPct val="100000"/>
@@ -12195,14 +12156,14 @@
       </p:grpSpPr>
       <p:sp>
         <p:nvSpPr>
-          <p:cNvPr id="89" name="CustomShape 1"/>
+          <p:cNvPr id="96" name="CustomShape 1"/>
           <p:cNvSpPr/>
           <p:nvPr/>
         </p:nvSpPr>
         <p:spPr>
           <a:xfrm>
-            <a:off x="838080" y="365040"/>
-            <a:ext cx="10514880" cy="1324800"/>
+            <a:off x="2233440" y="2430000"/>
+            <a:ext cx="7724880" cy="1997640"/>
           </a:xfrm>
           <a:prstGeom prst="rect">
             <a:avLst/>
@@ -12226,11 +12187,11 @@
         </p:style>
         <p:txBody>
           <a:bodyPr lIns="90000" tIns="45000" rIns="90000" bIns="45000" anchor="ctr">
-            <a:noAutofit/>
+            <a:normAutofit/>
           </a:bodyPr>
           <a:lstStyle/>
           <a:p>
-            <a:pPr>
+            <a:pPr algn="ctr">
               <a:lnSpc>
                 <a:spcPct val="90000"/>
               </a:lnSpc>
@@ -12242,98 +12203,10 @@
                 </a:solidFill>
                 <a:latin typeface="Calibri Light"/>
               </a:rPr>
-              <a:t>R-Squared</a:t>
+              <a:t>Evaluación del modelo</a:t>
             </a:r>
             <a:endParaRPr lang="es-ES" sz="4400" b="0" strike="noStrike" spc="-1">
               <a:latin typeface="Arial"/>
-            </a:endParaRPr>
-          </a:p>
-        </p:txBody>
-      </p:sp>
-      <p:pic>
-        <p:nvPicPr>
-          <p:cNvPr id="90" name="Imagen 89"/>
-          <p:cNvPicPr/>
-          <p:nvPr/>
-        </p:nvPicPr>
-        <p:blipFill>
-          <a:blip r:embed="rId3"/>
-          <a:stretch/>
-        </p:blipFill>
-        <p:spPr>
-          <a:xfrm>
-            <a:off x="3291840" y="2696400"/>
-            <a:ext cx="5029200" cy="3739600"/>
-          </a:xfrm>
-          <a:prstGeom prst="rect">
-            <a:avLst/>
-          </a:prstGeom>
-          <a:ln w="0">
-            <a:noFill/>
-          </a:ln>
-        </p:spPr>
-      </p:pic>
-      <p:sp>
-        <p:nvSpPr>
-          <p:cNvPr id="2" name="CuadroTexto 1">
-            <a:extLst>
-              <a:ext uri="{FF2B5EF4-FFF2-40B4-BE49-F238E27FC236}">
-                <a16:creationId xmlns:a16="http://schemas.microsoft.com/office/drawing/2014/main" id="{37906F72-C134-42B8-8805-F3A1A644342C}"/>
-              </a:ext>
-            </a:extLst>
-          </p:cNvPr>
-          <p:cNvSpPr txBox="1"/>
-          <p:nvPr/>
-        </p:nvSpPr>
-        <p:spPr>
-          <a:xfrm>
-            <a:off x="838080" y="1371600"/>
-            <a:ext cx="9824720" cy="1200329"/>
-          </a:xfrm>
-          <a:prstGeom prst="rect">
-            <a:avLst/>
-          </a:prstGeom>
-          <a:noFill/>
-        </p:spPr>
-        <p:txBody>
-          <a:bodyPr wrap="square" rtlCol="0">
-            <a:spAutoFit/>
-          </a:bodyPr>
-          <a:lstStyle/>
-          <a:p>
-            <a:r>
-              <a:rPr lang="es-ES" sz="1800" dirty="0">
-                <a:solidFill>
-                  <a:schemeClr val="bg1"/>
-                </a:solidFill>
-                <a:effectLst/>
-                <a:latin typeface="Calibri" panose="020F0502020204030204" pitchFamily="34" charset="0"/>
-              </a:rPr>
-              <a:t>Coeficiente de determinación. Mide cuánto de bien </a:t>
-            </a:r>
-            <a:r>
-              <a:rPr lang="es-ES" dirty="0">
-                <a:solidFill>
-                  <a:schemeClr val="bg1"/>
-                </a:solidFill>
-                <a:latin typeface="Calibri" panose="020F0502020204030204" pitchFamily="34" charset="0"/>
-              </a:rPr>
-              <a:t>una regresión se ajusta a los datos.</a:t>
-            </a:r>
-            <a:r>
-              <a:rPr lang="es-ES" sz="1800" dirty="0">
-                <a:solidFill>
-                  <a:schemeClr val="bg1"/>
-                </a:solidFill>
-                <a:effectLst/>
-                <a:latin typeface="Calibri" panose="020F0502020204030204" pitchFamily="34" charset="0"/>
-              </a:rPr>
-              <a:t> También se define como la porción de variación de la variable dependiente (y) predecible mediante la independiente (x). Va de [0,1]. Cuanto mejor se ajuste, más se acercará a 1. Cuanto más cercano a 0, menos fiable será.</a:t>
-            </a:r>
-            <a:endParaRPr lang="es-ES" dirty="0">
-              <a:solidFill>
-                <a:schemeClr val="bg1"/>
-              </a:solidFill>
             </a:endParaRPr>
           </a:p>
         </p:txBody>
@@ -12365,14 +12238,14 @@
       </p:grpSpPr>
       <p:sp>
         <p:nvSpPr>
-          <p:cNvPr id="96" name="CustomShape 1"/>
+          <p:cNvPr id="97" name="CustomShape 1"/>
           <p:cNvSpPr/>
           <p:nvPr/>
         </p:nvSpPr>
         <p:spPr>
           <a:xfrm>
-            <a:off x="2233440" y="2430000"/>
-            <a:ext cx="7724880" cy="1997640"/>
+            <a:off x="838080" y="365040"/>
+            <a:ext cx="5725440" cy="1324800"/>
           </a:xfrm>
           <a:prstGeom prst="rect">
             <a:avLst/>
@@ -12396,11 +12269,11 @@
         </p:style>
         <p:txBody>
           <a:bodyPr lIns="90000" tIns="45000" rIns="90000" bIns="45000" anchor="ctr">
-            <a:normAutofit/>
+            <a:noAutofit/>
           </a:bodyPr>
           <a:lstStyle/>
           <a:p>
-            <a:pPr algn="ctr">
+            <a:pPr>
               <a:lnSpc>
                 <a:spcPct val="90000"/>
               </a:lnSpc>
@@ -12412,7 +12285,7 @@
                 </a:solidFill>
                 <a:latin typeface="Calibri Light"/>
               </a:rPr>
-              <a:t>Evaluación del modelo</a:t>
+              <a:t>Regresión lineal: errores</a:t>
             </a:r>
             <a:endParaRPr lang="es-ES" sz="4400" b="0" strike="noStrike" spc="-1">
               <a:latin typeface="Arial"/>
@@ -12420,6 +12293,515 @@
           </a:p>
         </p:txBody>
       </p:sp>
+      <p:sp>
+        <p:nvSpPr>
+          <p:cNvPr id="98" name="CustomShape 2"/>
+          <p:cNvSpPr/>
+          <p:nvPr/>
+        </p:nvSpPr>
+        <p:spPr>
+          <a:xfrm>
+            <a:off x="943920" y="1690560"/>
+            <a:ext cx="5257080" cy="3821400"/>
+          </a:xfrm>
+          <a:prstGeom prst="rect">
+            <a:avLst/>
+          </a:prstGeom>
+          <a:noFill/>
+          <a:ln w="0">
+            <a:noFill/>
+          </a:ln>
+        </p:spPr>
+        <p:style>
+          <a:lnRef idx="0">
+            <a:scrgbClr r="0" g="0" b="0"/>
+          </a:lnRef>
+          <a:fillRef idx="0">
+            <a:scrgbClr r="0" g="0" b="0"/>
+          </a:fillRef>
+          <a:effectRef idx="0">
+            <a:scrgbClr r="0" g="0" b="0"/>
+          </a:effectRef>
+          <a:fontRef idx="minor"/>
+        </p:style>
+        <p:txBody>
+          <a:bodyPr lIns="90000" tIns="45000" rIns="90000" bIns="45000">
+            <a:normAutofit fontScale="85000" lnSpcReduction="10000"/>
+          </a:bodyPr>
+          <a:lstStyle/>
+          <a:p>
+            <a:pPr marL="228600" indent="-227880">
+              <a:lnSpc>
+                <a:spcPct val="90000"/>
+              </a:lnSpc>
+              <a:spcBef>
+                <a:spcPts val="1001"/>
+              </a:spcBef>
+              <a:buClr>
+                <a:srgbClr val="FFFFFF"/>
+              </a:buClr>
+              <a:buFont typeface="Arial"/>
+              <a:buChar char="•"/>
+            </a:pPr>
+            <a:r>
+              <a:rPr lang="en-US" sz="2000" b="0" strike="noStrike" spc="-1" dirty="0">
+                <a:solidFill>
+                  <a:srgbClr val="FFFFFF"/>
+                </a:solidFill>
+                <a:latin typeface="Calibri"/>
+              </a:rPr>
+              <a:t>Mean Absolute Error (MAE). </a:t>
+            </a:r>
+            <a:r>
+              <a:rPr lang="en-US" sz="1600" spc="-1" dirty="0" err="1">
+                <a:solidFill>
+                  <a:srgbClr val="FFFFFF"/>
+                </a:solidFill>
+                <a:latin typeface="Calibri"/>
+              </a:rPr>
+              <a:t>Errores</a:t>
+            </a:r>
+            <a:r>
+              <a:rPr lang="en-US" sz="1600" spc="-1" dirty="0">
+                <a:solidFill>
+                  <a:srgbClr val="FFFFFF"/>
+                </a:solidFill>
+                <a:latin typeface="Calibri"/>
+              </a:rPr>
+              <a:t> </a:t>
+            </a:r>
+            <a:r>
+              <a:rPr lang="en-US" sz="1600" spc="-1" dirty="0" err="1">
+                <a:solidFill>
+                  <a:srgbClr val="FFFFFF"/>
+                </a:solidFill>
+                <a:latin typeface="Calibri"/>
+              </a:rPr>
+              <a:t>en</a:t>
+            </a:r>
+            <a:r>
+              <a:rPr lang="en-US" sz="1600" spc="-1" dirty="0">
+                <a:solidFill>
+                  <a:srgbClr val="FFFFFF"/>
+                </a:solidFill>
+                <a:latin typeface="Calibri"/>
+              </a:rPr>
+              <a:t> </a:t>
+            </a:r>
+            <a:r>
+              <a:rPr lang="en-US" sz="1600" spc="-1" dirty="0" err="1">
+                <a:solidFill>
+                  <a:srgbClr val="FFFFFF"/>
+                </a:solidFill>
+                <a:latin typeface="Calibri"/>
+              </a:rPr>
+              <a:t>unidades</a:t>
+            </a:r>
+            <a:r>
+              <a:rPr lang="en-US" sz="1600" spc="-1" dirty="0">
+                <a:solidFill>
+                  <a:srgbClr val="FFFFFF"/>
+                </a:solidFill>
+                <a:latin typeface="Calibri"/>
+              </a:rPr>
+              <a:t> del target</a:t>
+            </a:r>
+            <a:endParaRPr lang="es-ES" sz="1600" b="0" strike="noStrike" spc="-1" dirty="0">
+              <a:latin typeface="Arial"/>
+            </a:endParaRPr>
+          </a:p>
+          <a:p>
+            <a:pPr>
+              <a:lnSpc>
+                <a:spcPct val="90000"/>
+              </a:lnSpc>
+              <a:spcBef>
+                <a:spcPts val="1001"/>
+              </a:spcBef>
+            </a:pPr>
+            <a:endParaRPr lang="es-ES" sz="2000" b="0" strike="noStrike" spc="-1" dirty="0">
+              <a:latin typeface="Arial"/>
+            </a:endParaRPr>
+          </a:p>
+          <a:p>
+            <a:pPr>
+              <a:lnSpc>
+                <a:spcPct val="90000"/>
+              </a:lnSpc>
+              <a:spcBef>
+                <a:spcPts val="1001"/>
+              </a:spcBef>
+            </a:pPr>
+            <a:endParaRPr lang="es-ES" sz="2000" b="0" strike="noStrike" spc="-1" dirty="0">
+              <a:latin typeface="Arial"/>
+            </a:endParaRPr>
+          </a:p>
+          <a:p>
+            <a:pPr>
+              <a:lnSpc>
+                <a:spcPct val="90000"/>
+              </a:lnSpc>
+              <a:spcBef>
+                <a:spcPts val="1001"/>
+              </a:spcBef>
+            </a:pPr>
+            <a:endParaRPr lang="es-ES" sz="2000" b="0" strike="noStrike" spc="-1" dirty="0">
+              <a:latin typeface="Arial"/>
+            </a:endParaRPr>
+          </a:p>
+          <a:p>
+            <a:pPr>
+              <a:lnSpc>
+                <a:spcPct val="90000"/>
+              </a:lnSpc>
+              <a:spcBef>
+                <a:spcPts val="1001"/>
+              </a:spcBef>
+            </a:pPr>
+            <a:endParaRPr lang="es-ES" sz="2000" b="0" strike="noStrike" spc="-1" dirty="0">
+              <a:latin typeface="Arial"/>
+            </a:endParaRPr>
+          </a:p>
+          <a:p>
+            <a:pPr marL="228600" indent="-227880">
+              <a:lnSpc>
+                <a:spcPct val="90000"/>
+              </a:lnSpc>
+              <a:spcBef>
+                <a:spcPts val="1001"/>
+              </a:spcBef>
+              <a:buClr>
+                <a:srgbClr val="FFFFFF"/>
+              </a:buClr>
+              <a:buFont typeface="Arial"/>
+              <a:buChar char="•"/>
+            </a:pPr>
+            <a:r>
+              <a:rPr lang="en-US" sz="2000" b="0" strike="noStrike" spc="-1" dirty="0">
+                <a:solidFill>
+                  <a:srgbClr val="FFFFFF"/>
+                </a:solidFill>
+                <a:latin typeface="Calibri"/>
+              </a:rPr>
+              <a:t>Mean Squared Error (MSE). </a:t>
+            </a:r>
+            <a:r>
+              <a:rPr lang="en-US" sz="2000" spc="-1" dirty="0">
+                <a:solidFill>
+                  <a:srgbClr val="FFFFFF"/>
+                </a:solidFill>
+                <a:latin typeface="Calibri"/>
+              </a:rPr>
+              <a:t>No se </a:t>
+            </a:r>
+            <a:r>
+              <a:rPr lang="en-US" sz="2000" spc="-1" dirty="0" err="1">
+                <a:solidFill>
+                  <a:srgbClr val="FFFFFF"/>
+                </a:solidFill>
+                <a:latin typeface="Calibri"/>
+              </a:rPr>
+              <a:t>interpreta</a:t>
+            </a:r>
+            <a:r>
+              <a:rPr lang="en-US" sz="2000" spc="-1" dirty="0">
+                <a:solidFill>
+                  <a:srgbClr val="FFFFFF"/>
+                </a:solidFill>
+                <a:latin typeface="Calibri"/>
+              </a:rPr>
+              <a:t> bien al </a:t>
+            </a:r>
+            <a:r>
+              <a:rPr lang="en-US" sz="2000" spc="-1" dirty="0" err="1">
+                <a:solidFill>
+                  <a:srgbClr val="FFFFFF"/>
+                </a:solidFill>
+                <a:latin typeface="Calibri"/>
+              </a:rPr>
+              <a:t>ir</a:t>
+            </a:r>
+            <a:r>
+              <a:rPr lang="en-US" sz="2000" spc="-1" dirty="0">
+                <a:solidFill>
+                  <a:srgbClr val="FFFFFF"/>
+                </a:solidFill>
+                <a:latin typeface="Calibri"/>
+              </a:rPr>
+              <a:t> al </a:t>
+            </a:r>
+            <a:r>
+              <a:rPr lang="en-US" sz="2000" spc="-1" dirty="0" err="1">
+                <a:solidFill>
+                  <a:srgbClr val="FFFFFF"/>
+                </a:solidFill>
+                <a:latin typeface="Calibri"/>
+              </a:rPr>
+              <a:t>cuadrado</a:t>
+            </a:r>
+            <a:r>
+              <a:rPr lang="en-US" sz="2000" spc="-1" dirty="0">
+                <a:solidFill>
+                  <a:srgbClr val="FFFFFF"/>
+                </a:solidFill>
+                <a:latin typeface="Calibri"/>
+              </a:rPr>
+              <a:t>, </a:t>
+            </a:r>
+            <a:r>
+              <a:rPr lang="en-US" sz="2000" spc="-1" dirty="0" err="1">
+                <a:solidFill>
+                  <a:srgbClr val="FFFFFF"/>
+                </a:solidFill>
+                <a:latin typeface="Calibri"/>
+              </a:rPr>
+              <a:t>pero</a:t>
+            </a:r>
+            <a:r>
+              <a:rPr lang="en-US" sz="2000" spc="-1" dirty="0">
+                <a:solidFill>
+                  <a:srgbClr val="FFFFFF"/>
+                </a:solidFill>
+                <a:latin typeface="Calibri"/>
+              </a:rPr>
+              <a:t> </a:t>
+            </a:r>
+            <a:r>
+              <a:rPr lang="en-US" sz="2000" spc="-1" dirty="0" err="1">
+                <a:solidFill>
+                  <a:srgbClr val="FFFFFF"/>
+                </a:solidFill>
+                <a:latin typeface="Calibri"/>
+              </a:rPr>
+              <a:t>enfatiza</a:t>
+            </a:r>
+            <a:r>
+              <a:rPr lang="en-US" sz="2000" spc="-1" dirty="0">
+                <a:solidFill>
+                  <a:srgbClr val="FFFFFF"/>
+                </a:solidFill>
+                <a:latin typeface="Calibri"/>
+              </a:rPr>
+              <a:t> </a:t>
+            </a:r>
+            <a:r>
+              <a:rPr lang="en-US" sz="2000" spc="-1" dirty="0" err="1">
+                <a:solidFill>
+                  <a:srgbClr val="FFFFFF"/>
+                </a:solidFill>
+                <a:latin typeface="Calibri"/>
+              </a:rPr>
+              <a:t>mucho</a:t>
+            </a:r>
+            <a:r>
+              <a:rPr lang="en-US" sz="2000" spc="-1" dirty="0">
+                <a:solidFill>
+                  <a:srgbClr val="FFFFFF"/>
+                </a:solidFill>
+                <a:latin typeface="Calibri"/>
+              </a:rPr>
+              <a:t> </a:t>
+            </a:r>
+            <a:r>
+              <a:rPr lang="en-US" sz="2000" spc="-1" dirty="0" err="1">
+                <a:solidFill>
+                  <a:srgbClr val="FFFFFF"/>
+                </a:solidFill>
+                <a:latin typeface="Calibri"/>
+              </a:rPr>
+              <a:t>más</a:t>
+            </a:r>
+            <a:r>
+              <a:rPr lang="en-US" sz="2000" spc="-1" dirty="0">
+                <a:solidFill>
+                  <a:srgbClr val="FFFFFF"/>
+                </a:solidFill>
+                <a:latin typeface="Calibri"/>
+              </a:rPr>
+              <a:t> los </a:t>
+            </a:r>
+            <a:r>
+              <a:rPr lang="en-US" sz="2000" spc="-1" dirty="0" err="1">
+                <a:solidFill>
+                  <a:srgbClr val="FFFFFF"/>
+                </a:solidFill>
+                <a:latin typeface="Calibri"/>
+              </a:rPr>
+              <a:t>errores</a:t>
+            </a:r>
+            <a:r>
+              <a:rPr lang="en-US" sz="2000" spc="-1" dirty="0">
+                <a:solidFill>
+                  <a:srgbClr val="FFFFFF"/>
+                </a:solidFill>
+                <a:latin typeface="Calibri"/>
+              </a:rPr>
+              <a:t> altos</a:t>
+            </a:r>
+            <a:endParaRPr lang="es-ES" sz="2000" b="0" strike="noStrike" spc="-1" dirty="0">
+              <a:latin typeface="Arial"/>
+            </a:endParaRPr>
+          </a:p>
+          <a:p>
+            <a:pPr>
+              <a:lnSpc>
+                <a:spcPct val="90000"/>
+              </a:lnSpc>
+              <a:spcBef>
+                <a:spcPts val="1001"/>
+              </a:spcBef>
+            </a:pPr>
+            <a:endParaRPr lang="es-ES" sz="2000" b="0" strike="noStrike" spc="-1" dirty="0">
+              <a:latin typeface="Arial"/>
+            </a:endParaRPr>
+          </a:p>
+          <a:p>
+            <a:pPr>
+              <a:lnSpc>
+                <a:spcPct val="90000"/>
+              </a:lnSpc>
+              <a:spcBef>
+                <a:spcPts val="1001"/>
+              </a:spcBef>
+            </a:pPr>
+            <a:endParaRPr lang="es-ES" sz="2000" b="0" strike="noStrike" spc="-1" dirty="0">
+              <a:latin typeface="Arial"/>
+            </a:endParaRPr>
+          </a:p>
+          <a:p>
+            <a:pPr>
+              <a:lnSpc>
+                <a:spcPct val="90000"/>
+              </a:lnSpc>
+              <a:spcBef>
+                <a:spcPts val="1001"/>
+              </a:spcBef>
+            </a:pPr>
+            <a:endParaRPr lang="es-ES" sz="2000" b="0" strike="noStrike" spc="-1" dirty="0">
+              <a:latin typeface="Arial"/>
+            </a:endParaRPr>
+          </a:p>
+          <a:p>
+            <a:pPr marL="228600" indent="-227880">
+              <a:lnSpc>
+                <a:spcPct val="90000"/>
+              </a:lnSpc>
+              <a:spcBef>
+                <a:spcPts val="1001"/>
+              </a:spcBef>
+              <a:buClr>
+                <a:srgbClr val="FFFFFF"/>
+              </a:buClr>
+              <a:buFont typeface="Arial"/>
+              <a:buChar char="•"/>
+            </a:pPr>
+            <a:r>
+              <a:rPr lang="en-US" sz="2000" b="0" strike="noStrike" spc="-1" dirty="0">
+                <a:solidFill>
+                  <a:srgbClr val="FFFFFF"/>
+                </a:solidFill>
+                <a:latin typeface="Calibri"/>
+              </a:rPr>
+              <a:t>Root Mean Squared Error (RMSE)</a:t>
+            </a:r>
+            <a:endParaRPr lang="es-ES" sz="2000" b="0" strike="noStrike" spc="-1" dirty="0">
+              <a:latin typeface="Arial"/>
+            </a:endParaRPr>
+          </a:p>
+        </p:txBody>
+      </p:sp>
+      <p:pic>
+        <p:nvPicPr>
+          <p:cNvPr id="99" name="Picture 5"/>
+          <p:cNvPicPr/>
+          <p:nvPr/>
+        </p:nvPicPr>
+        <p:blipFill>
+          <a:blip r:embed="rId3"/>
+          <a:stretch/>
+        </p:blipFill>
+        <p:spPr>
+          <a:xfrm>
+            <a:off x="7313040" y="2565360"/>
+            <a:ext cx="4207320" cy="2635560"/>
+          </a:xfrm>
+          <a:prstGeom prst="rect">
+            <a:avLst/>
+          </a:prstGeom>
+          <a:ln w="0">
+            <a:noFill/>
+          </a:ln>
+        </p:spPr>
+      </p:pic>
+      <p:pic>
+        <p:nvPicPr>
+          <p:cNvPr id="100" name="Picture 4"/>
+          <p:cNvPicPr/>
+          <p:nvPr/>
+        </p:nvPicPr>
+        <p:blipFill>
+          <a:blip r:embed="rId4"/>
+          <a:stretch/>
+        </p:blipFill>
+        <p:spPr>
+          <a:xfrm>
+            <a:off x="2055240" y="2283120"/>
+            <a:ext cx="2599920" cy="808920"/>
+          </a:xfrm>
+          <a:prstGeom prst="rect">
+            <a:avLst/>
+          </a:prstGeom>
+          <a:ln w="0">
+            <a:noFill/>
+          </a:ln>
+        </p:spPr>
+      </p:pic>
+      <p:pic>
+        <p:nvPicPr>
+          <p:cNvPr id="101" name="Picture 6"/>
+          <p:cNvPicPr/>
+          <p:nvPr/>
+        </p:nvPicPr>
+        <p:blipFill>
+          <a:blip r:embed="rId5"/>
+          <a:stretch/>
+        </p:blipFill>
+        <p:spPr>
+          <a:xfrm>
+            <a:off x="2055240" y="3883140"/>
+            <a:ext cx="2781000" cy="837720"/>
+          </a:xfrm>
+          <a:prstGeom prst="rect">
+            <a:avLst/>
+          </a:prstGeom>
+          <a:ln w="0">
+            <a:noFill/>
+          </a:ln>
+        </p:spPr>
+      </p:pic>
+      <p:pic>
+        <p:nvPicPr>
+          <p:cNvPr id="102" name="Picture 9"/>
+          <p:cNvPicPr/>
+          <p:nvPr/>
+        </p:nvPicPr>
+        <p:blipFill>
+          <a:blip r:embed="rId6"/>
+          <a:stretch/>
+        </p:blipFill>
+        <p:spPr>
+          <a:xfrm>
+            <a:off x="2055240" y="5465337"/>
+            <a:ext cx="2877487" cy="837721"/>
+          </a:xfrm>
+          <a:prstGeom prst="rect">
+            <a:avLst/>
+          </a:prstGeom>
+          <a:ln w="0">
+            <a:noFill/>
+          </a:ln>
+        </p:spPr>
+      </p:pic>
     </p:spTree>
   </p:cSld>
   <p:clrMapOvr>
@@ -12447,14 +12829,14 @@
       </p:grpSpPr>
       <p:sp>
         <p:nvSpPr>
-          <p:cNvPr id="97" name="CustomShape 1"/>
+          <p:cNvPr id="89" name="CustomShape 1"/>
           <p:cNvSpPr/>
           <p:nvPr/>
         </p:nvSpPr>
         <p:spPr>
           <a:xfrm>
             <a:off x="838080" y="365040"/>
-            <a:ext cx="5725440" cy="1324800"/>
+            <a:ext cx="10514880" cy="1324800"/>
           </a:xfrm>
           <a:prstGeom prst="rect">
             <a:avLst/>
@@ -12494,7 +12876,7 @@
                 </a:solidFill>
                 <a:latin typeface="Calibri Light"/>
               </a:rPr>
-              <a:t>Regresión lineal: errores</a:t>
+              <a:t>R-Squared</a:t>
             </a:r>
             <a:endParaRPr lang="es-ES" sz="4400" b="0" strike="noStrike" spc="-1">
               <a:latin typeface="Arial"/>
@@ -12502,426 +12884,9 @@
           </a:p>
         </p:txBody>
       </p:sp>
-      <p:sp>
-        <p:nvSpPr>
-          <p:cNvPr id="98" name="CustomShape 2"/>
-          <p:cNvSpPr/>
-          <p:nvPr/>
-        </p:nvSpPr>
-        <p:spPr>
-          <a:xfrm>
-            <a:off x="943920" y="1690560"/>
-            <a:ext cx="5257080" cy="3821400"/>
-          </a:xfrm>
-          <a:prstGeom prst="rect">
-            <a:avLst/>
-          </a:prstGeom>
-          <a:noFill/>
-          <a:ln w="0">
-            <a:noFill/>
-          </a:ln>
-        </p:spPr>
-        <p:style>
-          <a:lnRef idx="0">
-            <a:scrgbClr r="0" g="0" b="0"/>
-          </a:lnRef>
-          <a:fillRef idx="0">
-            <a:scrgbClr r="0" g="0" b="0"/>
-          </a:fillRef>
-          <a:effectRef idx="0">
-            <a:scrgbClr r="0" g="0" b="0"/>
-          </a:effectRef>
-          <a:fontRef idx="minor"/>
-        </p:style>
-        <p:txBody>
-          <a:bodyPr lIns="90000" tIns="45000" rIns="90000" bIns="45000">
-            <a:normAutofit fontScale="85000" lnSpcReduction="10000"/>
-          </a:bodyPr>
-          <a:lstStyle/>
-          <a:p>
-            <a:pPr marL="228600" indent="-227880">
-              <a:lnSpc>
-                <a:spcPct val="90000"/>
-              </a:lnSpc>
-              <a:spcBef>
-                <a:spcPts val="1001"/>
-              </a:spcBef>
-              <a:buClr>
-                <a:srgbClr val="FFFFFF"/>
-              </a:buClr>
-              <a:buFont typeface="Arial"/>
-              <a:buChar char="•"/>
-            </a:pPr>
-            <a:r>
-              <a:rPr lang="en-US" sz="2000" b="0" strike="noStrike" spc="-1" dirty="0">
-                <a:solidFill>
-                  <a:srgbClr val="FFFFFF"/>
-                </a:solidFill>
-                <a:latin typeface="Calibri"/>
-              </a:rPr>
-              <a:t>Mean Absolute Error (MAE). </a:t>
-            </a:r>
-            <a:r>
-              <a:rPr lang="en-US" sz="1600" spc="-1" dirty="0" err="1">
-                <a:solidFill>
-                  <a:srgbClr val="FFFFFF"/>
-                </a:solidFill>
-                <a:latin typeface="Calibri"/>
-              </a:rPr>
-              <a:t>Errores</a:t>
-            </a:r>
-            <a:r>
-              <a:rPr lang="en-US" sz="1600" spc="-1" dirty="0">
-                <a:solidFill>
-                  <a:srgbClr val="FFFFFF"/>
-                </a:solidFill>
-                <a:latin typeface="Calibri"/>
-              </a:rPr>
-              <a:t> </a:t>
-            </a:r>
-            <a:r>
-              <a:rPr lang="en-US" sz="1600" spc="-1" dirty="0" err="1">
-                <a:solidFill>
-                  <a:srgbClr val="FFFFFF"/>
-                </a:solidFill>
-                <a:latin typeface="Calibri"/>
-              </a:rPr>
-              <a:t>en</a:t>
-            </a:r>
-            <a:r>
-              <a:rPr lang="en-US" sz="1600" spc="-1" dirty="0">
-                <a:solidFill>
-                  <a:srgbClr val="FFFFFF"/>
-                </a:solidFill>
-                <a:latin typeface="Calibri"/>
-              </a:rPr>
-              <a:t> </a:t>
-            </a:r>
-            <a:r>
-              <a:rPr lang="en-US" sz="1600" spc="-1" dirty="0" err="1">
-                <a:solidFill>
-                  <a:srgbClr val="FFFFFF"/>
-                </a:solidFill>
-                <a:latin typeface="Calibri"/>
-              </a:rPr>
-              <a:t>unidades</a:t>
-            </a:r>
-            <a:r>
-              <a:rPr lang="en-US" sz="1600" spc="-1" dirty="0">
-                <a:solidFill>
-                  <a:srgbClr val="FFFFFF"/>
-                </a:solidFill>
-                <a:latin typeface="Calibri"/>
-              </a:rPr>
-              <a:t> del target</a:t>
-            </a:r>
-            <a:endParaRPr lang="es-ES" sz="1600" b="0" strike="noStrike" spc="-1" dirty="0">
-              <a:latin typeface="Arial"/>
-            </a:endParaRPr>
-          </a:p>
-          <a:p>
-            <a:pPr>
-              <a:lnSpc>
-                <a:spcPct val="90000"/>
-              </a:lnSpc>
-              <a:spcBef>
-                <a:spcPts val="1001"/>
-              </a:spcBef>
-            </a:pPr>
-            <a:endParaRPr lang="es-ES" sz="2000" b="0" strike="noStrike" spc="-1" dirty="0">
-              <a:latin typeface="Arial"/>
-            </a:endParaRPr>
-          </a:p>
-          <a:p>
-            <a:pPr>
-              <a:lnSpc>
-                <a:spcPct val="90000"/>
-              </a:lnSpc>
-              <a:spcBef>
-                <a:spcPts val="1001"/>
-              </a:spcBef>
-            </a:pPr>
-            <a:endParaRPr lang="es-ES" sz="2000" b="0" strike="noStrike" spc="-1" dirty="0">
-              <a:latin typeface="Arial"/>
-            </a:endParaRPr>
-          </a:p>
-          <a:p>
-            <a:pPr>
-              <a:lnSpc>
-                <a:spcPct val="90000"/>
-              </a:lnSpc>
-              <a:spcBef>
-                <a:spcPts val="1001"/>
-              </a:spcBef>
-            </a:pPr>
-            <a:endParaRPr lang="es-ES" sz="2000" b="0" strike="noStrike" spc="-1" dirty="0">
-              <a:latin typeface="Arial"/>
-            </a:endParaRPr>
-          </a:p>
-          <a:p>
-            <a:pPr>
-              <a:lnSpc>
-                <a:spcPct val="90000"/>
-              </a:lnSpc>
-              <a:spcBef>
-                <a:spcPts val="1001"/>
-              </a:spcBef>
-            </a:pPr>
-            <a:endParaRPr lang="es-ES" sz="2000" b="0" strike="noStrike" spc="-1" dirty="0">
-              <a:latin typeface="Arial"/>
-            </a:endParaRPr>
-          </a:p>
-          <a:p>
-            <a:pPr marL="228600" indent="-227880">
-              <a:lnSpc>
-                <a:spcPct val="90000"/>
-              </a:lnSpc>
-              <a:spcBef>
-                <a:spcPts val="1001"/>
-              </a:spcBef>
-              <a:buClr>
-                <a:srgbClr val="FFFFFF"/>
-              </a:buClr>
-              <a:buFont typeface="Arial"/>
-              <a:buChar char="•"/>
-            </a:pPr>
-            <a:r>
-              <a:rPr lang="en-US" sz="2000" b="0" strike="noStrike" spc="-1" dirty="0">
-                <a:solidFill>
-                  <a:srgbClr val="FFFFFF"/>
-                </a:solidFill>
-                <a:latin typeface="Calibri"/>
-              </a:rPr>
-              <a:t>Mean Squared Error (MSE). </a:t>
-            </a:r>
-            <a:r>
-              <a:rPr lang="en-US" sz="2000" spc="-1" dirty="0">
-                <a:solidFill>
-                  <a:srgbClr val="FFFFFF"/>
-                </a:solidFill>
-                <a:latin typeface="Calibri"/>
-              </a:rPr>
-              <a:t>No se </a:t>
-            </a:r>
-            <a:r>
-              <a:rPr lang="en-US" sz="2000" spc="-1" dirty="0" err="1">
-                <a:solidFill>
-                  <a:srgbClr val="FFFFFF"/>
-                </a:solidFill>
-                <a:latin typeface="Calibri"/>
-              </a:rPr>
-              <a:t>interpreta</a:t>
-            </a:r>
-            <a:r>
-              <a:rPr lang="en-US" sz="2000" spc="-1" dirty="0">
-                <a:solidFill>
-                  <a:srgbClr val="FFFFFF"/>
-                </a:solidFill>
-                <a:latin typeface="Calibri"/>
-              </a:rPr>
-              <a:t> bien al </a:t>
-            </a:r>
-            <a:r>
-              <a:rPr lang="en-US" sz="2000" spc="-1" dirty="0" err="1">
-                <a:solidFill>
-                  <a:srgbClr val="FFFFFF"/>
-                </a:solidFill>
-                <a:latin typeface="Calibri"/>
-              </a:rPr>
-              <a:t>ir</a:t>
-            </a:r>
-            <a:r>
-              <a:rPr lang="en-US" sz="2000" spc="-1" dirty="0">
-                <a:solidFill>
-                  <a:srgbClr val="FFFFFF"/>
-                </a:solidFill>
-                <a:latin typeface="Calibri"/>
-              </a:rPr>
-              <a:t> al </a:t>
-            </a:r>
-            <a:r>
-              <a:rPr lang="en-US" sz="2000" spc="-1" dirty="0" err="1">
-                <a:solidFill>
-                  <a:srgbClr val="FFFFFF"/>
-                </a:solidFill>
-                <a:latin typeface="Calibri"/>
-              </a:rPr>
-              <a:t>cuadrado</a:t>
-            </a:r>
-            <a:r>
-              <a:rPr lang="en-US" sz="2000" spc="-1" dirty="0">
-                <a:solidFill>
-                  <a:srgbClr val="FFFFFF"/>
-                </a:solidFill>
-                <a:latin typeface="Calibri"/>
-              </a:rPr>
-              <a:t>, </a:t>
-            </a:r>
-            <a:r>
-              <a:rPr lang="en-US" sz="2000" spc="-1" dirty="0" err="1">
-                <a:solidFill>
-                  <a:srgbClr val="FFFFFF"/>
-                </a:solidFill>
-                <a:latin typeface="Calibri"/>
-              </a:rPr>
-              <a:t>pero</a:t>
-            </a:r>
-            <a:r>
-              <a:rPr lang="en-US" sz="2000" spc="-1" dirty="0">
-                <a:solidFill>
-                  <a:srgbClr val="FFFFFF"/>
-                </a:solidFill>
-                <a:latin typeface="Calibri"/>
-              </a:rPr>
-              <a:t> </a:t>
-            </a:r>
-            <a:r>
-              <a:rPr lang="en-US" sz="2000" spc="-1" dirty="0" err="1">
-                <a:solidFill>
-                  <a:srgbClr val="FFFFFF"/>
-                </a:solidFill>
-                <a:latin typeface="Calibri"/>
-              </a:rPr>
-              <a:t>enfatiza</a:t>
-            </a:r>
-            <a:r>
-              <a:rPr lang="en-US" sz="2000" spc="-1" dirty="0">
-                <a:solidFill>
-                  <a:srgbClr val="FFFFFF"/>
-                </a:solidFill>
-                <a:latin typeface="Calibri"/>
-              </a:rPr>
-              <a:t> </a:t>
-            </a:r>
-            <a:r>
-              <a:rPr lang="en-US" sz="2000" spc="-1" dirty="0" err="1">
-                <a:solidFill>
-                  <a:srgbClr val="FFFFFF"/>
-                </a:solidFill>
-                <a:latin typeface="Calibri"/>
-              </a:rPr>
-              <a:t>mucho</a:t>
-            </a:r>
-            <a:r>
-              <a:rPr lang="en-US" sz="2000" spc="-1" dirty="0">
-                <a:solidFill>
-                  <a:srgbClr val="FFFFFF"/>
-                </a:solidFill>
-                <a:latin typeface="Calibri"/>
-              </a:rPr>
-              <a:t> </a:t>
-            </a:r>
-            <a:r>
-              <a:rPr lang="en-US" sz="2000" spc="-1" dirty="0" err="1">
-                <a:solidFill>
-                  <a:srgbClr val="FFFFFF"/>
-                </a:solidFill>
-                <a:latin typeface="Calibri"/>
-              </a:rPr>
-              <a:t>más</a:t>
-            </a:r>
-            <a:r>
-              <a:rPr lang="en-US" sz="2000" spc="-1" dirty="0">
-                <a:solidFill>
-                  <a:srgbClr val="FFFFFF"/>
-                </a:solidFill>
-                <a:latin typeface="Calibri"/>
-              </a:rPr>
-              <a:t> los </a:t>
-            </a:r>
-            <a:r>
-              <a:rPr lang="en-US" sz="2000" spc="-1" dirty="0" err="1">
-                <a:solidFill>
-                  <a:srgbClr val="FFFFFF"/>
-                </a:solidFill>
-                <a:latin typeface="Calibri"/>
-              </a:rPr>
-              <a:t>errores</a:t>
-            </a:r>
-            <a:r>
-              <a:rPr lang="en-US" sz="2000" spc="-1" dirty="0">
-                <a:solidFill>
-                  <a:srgbClr val="FFFFFF"/>
-                </a:solidFill>
-                <a:latin typeface="Calibri"/>
-              </a:rPr>
-              <a:t> altos</a:t>
-            </a:r>
-            <a:endParaRPr lang="es-ES" sz="2000" b="0" strike="noStrike" spc="-1" dirty="0">
-              <a:latin typeface="Arial"/>
-            </a:endParaRPr>
-          </a:p>
-          <a:p>
-            <a:pPr>
-              <a:lnSpc>
-                <a:spcPct val="90000"/>
-              </a:lnSpc>
-              <a:spcBef>
-                <a:spcPts val="1001"/>
-              </a:spcBef>
-            </a:pPr>
-            <a:endParaRPr lang="es-ES" sz="2000" b="0" strike="noStrike" spc="-1" dirty="0">
-              <a:latin typeface="Arial"/>
-            </a:endParaRPr>
-          </a:p>
-          <a:p>
-            <a:pPr>
-              <a:lnSpc>
-                <a:spcPct val="90000"/>
-              </a:lnSpc>
-              <a:spcBef>
-                <a:spcPts val="1001"/>
-              </a:spcBef>
-            </a:pPr>
-            <a:endParaRPr lang="es-ES" sz="2000" b="0" strike="noStrike" spc="-1" dirty="0">
-              <a:latin typeface="Arial"/>
-            </a:endParaRPr>
-          </a:p>
-          <a:p>
-            <a:pPr>
-              <a:lnSpc>
-                <a:spcPct val="90000"/>
-              </a:lnSpc>
-              <a:spcBef>
-                <a:spcPts val="1001"/>
-              </a:spcBef>
-            </a:pPr>
-            <a:endParaRPr lang="es-ES" sz="2000" b="0" strike="noStrike" spc="-1" dirty="0">
-              <a:latin typeface="Arial"/>
-            </a:endParaRPr>
-          </a:p>
-          <a:p>
-            <a:pPr marL="228600" indent="-227880">
-              <a:lnSpc>
-                <a:spcPct val="90000"/>
-              </a:lnSpc>
-              <a:spcBef>
-                <a:spcPts val="1001"/>
-              </a:spcBef>
-              <a:buClr>
-                <a:srgbClr val="FFFFFF"/>
-              </a:buClr>
-              <a:buFont typeface="Arial"/>
-              <a:buChar char="•"/>
-            </a:pPr>
-            <a:r>
-              <a:rPr lang="en-US" sz="2000" b="0" strike="noStrike" spc="-1" dirty="0">
-                <a:solidFill>
-                  <a:srgbClr val="FFFFFF"/>
-                </a:solidFill>
-                <a:latin typeface="Calibri"/>
-              </a:rPr>
-              <a:t>Root Mean Squared Error (RMSE)</a:t>
-            </a:r>
-            <a:endParaRPr lang="es-ES" sz="2000" b="0" strike="noStrike" spc="-1" dirty="0">
-              <a:latin typeface="Arial"/>
-            </a:endParaRPr>
-          </a:p>
-        </p:txBody>
-      </p:sp>
       <p:pic>
         <p:nvPicPr>
-          <p:cNvPr id="99" name="Picture 5"/>
+          <p:cNvPr id="90" name="Imagen 89"/>
           <p:cNvPicPr/>
           <p:nvPr/>
         </p:nvPicPr>
@@ -12931,8 +12896,8 @@
         </p:blipFill>
         <p:spPr>
           <a:xfrm>
-            <a:off x="7313040" y="2565360"/>
-            <a:ext cx="4207320" cy="2635560"/>
+            <a:off x="3291840" y="2696400"/>
+            <a:ext cx="5029200" cy="3739600"/>
           </a:xfrm>
           <a:prstGeom prst="rect">
             <a:avLst/>
@@ -12942,75 +12907,71 @@
           </a:ln>
         </p:spPr>
       </p:pic>
-      <p:pic>
-        <p:nvPicPr>
-          <p:cNvPr id="100" name="Picture 4"/>
-          <p:cNvPicPr/>
+      <p:sp>
+        <p:nvSpPr>
+          <p:cNvPr id="2" name="CuadroTexto 1">
+            <a:extLst>
+              <a:ext uri="{FF2B5EF4-FFF2-40B4-BE49-F238E27FC236}">
+                <a16:creationId xmlns:a16="http://schemas.microsoft.com/office/drawing/2014/main" id="{37906F72-C134-42B8-8805-F3A1A644342C}"/>
+              </a:ext>
+            </a:extLst>
+          </p:cNvPr>
+          <p:cNvSpPr txBox="1"/>
           <p:nvPr/>
-        </p:nvPicPr>
-        <p:blipFill>
-          <a:blip r:embed="rId4"/>
-          <a:stretch/>
-        </p:blipFill>
-        <p:spPr>
-          <a:xfrm>
-            <a:off x="2055240" y="2283120"/>
-            <a:ext cx="2599920" cy="808920"/>
-          </a:xfrm>
-          <a:prstGeom prst="rect">
-            <a:avLst/>
-          </a:prstGeom>
-          <a:ln w="0">
-            <a:noFill/>
-          </a:ln>
-        </p:spPr>
-      </p:pic>
-      <p:pic>
-        <p:nvPicPr>
-          <p:cNvPr id="101" name="Picture 6"/>
-          <p:cNvPicPr/>
-          <p:nvPr/>
-        </p:nvPicPr>
-        <p:blipFill>
-          <a:blip r:embed="rId5"/>
-          <a:stretch/>
-        </p:blipFill>
-        <p:spPr>
-          <a:xfrm>
-            <a:off x="2055240" y="3883140"/>
-            <a:ext cx="2781000" cy="837720"/>
-          </a:xfrm>
-          <a:prstGeom prst="rect">
-            <a:avLst/>
-          </a:prstGeom>
-          <a:ln w="0">
-            <a:noFill/>
-          </a:ln>
-        </p:spPr>
-      </p:pic>
-      <p:pic>
-        <p:nvPicPr>
-          <p:cNvPr id="102" name="Picture 9"/>
-          <p:cNvPicPr/>
-          <p:nvPr/>
-        </p:nvPicPr>
-        <p:blipFill>
-          <a:blip r:embed="rId6"/>
-          <a:stretch/>
-        </p:blipFill>
-        <p:spPr>
-          <a:xfrm>
-            <a:off x="2055240" y="5465337"/>
-            <a:ext cx="2877487" cy="837721"/>
-          </a:xfrm>
-          <a:prstGeom prst="rect">
-            <a:avLst/>
-          </a:prstGeom>
-          <a:ln w="0">
-            <a:noFill/>
-          </a:ln>
-        </p:spPr>
-      </p:pic>
+        </p:nvSpPr>
+        <p:spPr>
+          <a:xfrm>
+            <a:off x="838080" y="1371600"/>
+            <a:ext cx="9824720" cy="1200329"/>
+          </a:xfrm>
+          <a:prstGeom prst="rect">
+            <a:avLst/>
+          </a:prstGeom>
+          <a:noFill/>
+        </p:spPr>
+        <p:txBody>
+          <a:bodyPr wrap="square" rtlCol="0">
+            <a:spAutoFit/>
+          </a:bodyPr>
+          <a:lstStyle/>
+          <a:p>
+            <a:r>
+              <a:rPr lang="es-ES" sz="1800" dirty="0">
+                <a:solidFill>
+                  <a:schemeClr val="bg1"/>
+                </a:solidFill>
+                <a:effectLst/>
+                <a:latin typeface="Calibri" panose="020F0502020204030204" pitchFamily="34" charset="0"/>
+              </a:rPr>
+              <a:t>Coeficiente de determinación. Mide cuánto de bien </a:t>
+            </a:r>
+            <a:r>
+              <a:rPr lang="es-ES" dirty="0">
+                <a:solidFill>
+                  <a:schemeClr val="bg1"/>
+                </a:solidFill>
+                <a:latin typeface="Calibri" panose="020F0502020204030204" pitchFamily="34" charset="0"/>
+              </a:rPr>
+              <a:t>una regresión se ajusta a los datos.</a:t>
+            </a:r>
+            <a:r>
+              <a:rPr lang="es-ES" sz="1800" dirty="0">
+                <a:solidFill>
+                  <a:schemeClr val="bg1"/>
+                </a:solidFill>
+                <a:effectLst/>
+                <a:latin typeface="Calibri" panose="020F0502020204030204" pitchFamily="34" charset="0"/>
+              </a:rPr>
+              <a:t> También se define como la porción de variación de la variable dependiente (y) predecible mediante la independiente (x). Va de [0,1]. Cuanto mejor se ajuste, más se acercará a 1. Cuanto más cercano a 0, menos fiable será.</a:t>
+            </a:r>
+            <a:endParaRPr lang="es-ES" dirty="0">
+              <a:solidFill>
+                <a:schemeClr val="bg1"/>
+              </a:solidFill>
+            </a:endParaRPr>
+          </a:p>
+        </p:txBody>
+      </p:sp>
     </p:spTree>
   </p:cSld>
   <p:clrMapOvr>
@@ -14080,6 +14041,13 @@
           </a:effectRef>
           <a:fontRef idx="minor"/>
         </p:style>
+        <p:txBody>
+          <a:bodyPr/>
+          <a:lstStyle/>
+          <a:p>
+            <a:endParaRPr lang="en-US"/>
+          </a:p>
+        </p:txBody>
       </p:sp>
       <p:sp>
         <p:nvSpPr>
@@ -14127,6 +14095,13 @@
           </a:effectRef>
           <a:fontRef idx="minor"/>
         </p:style>
+        <p:txBody>
+          <a:bodyPr/>
+          <a:lstStyle/>
+          <a:p>
+            <a:endParaRPr lang="en-US"/>
+          </a:p>
+        </p:txBody>
       </p:sp>
       <p:pic>
         <p:nvPicPr>
